--- a/Udemy/Lecture 2 - Say Hello to Ionic!/Lecture 2 - Say Hello To Ionic! - Screen.pptx
+++ b/Udemy/Lecture 2 - Say Hello to Ionic!/Lecture 2 - Say Hello To Ionic! - Screen.pptx
@@ -327,7 +327,7 @@
           <a:p>
             <a:fld id="{D2BDCC73-4DDF-49AB-AEE1-BCC66D6EB140}" type="datetimeFigureOut">
               <a:rPr lang="en-GB" smtClean="0"/>
-              <a:t>12/11/2018</a:t>
+              <a:t>09/01/2019</a:t>
             </a:fld>
             <a:endParaRPr lang="en-GB" dirty="0"/>
           </a:p>
@@ -537,7 +537,7 @@
           <a:p>
             <a:fld id="{D2BDCC73-4DDF-49AB-AEE1-BCC66D6EB140}" type="datetimeFigureOut">
               <a:rPr lang="en-GB" smtClean="0"/>
-              <a:t>12/11/2018</a:t>
+              <a:t>09/01/2019</a:t>
             </a:fld>
             <a:endParaRPr lang="en-GB" dirty="0"/>
           </a:p>
@@ -741,7 +741,7 @@
           <a:p>
             <a:fld id="{D2BDCC73-4DDF-49AB-AEE1-BCC66D6EB140}" type="datetimeFigureOut">
               <a:rPr lang="en-GB" smtClean="0"/>
-              <a:t>12/11/2018</a:t>
+              <a:t>09/01/2019</a:t>
             </a:fld>
             <a:endParaRPr lang="en-GB" dirty="0"/>
           </a:p>
@@ -920,7 +920,7 @@
           <a:p>
             <a:fld id="{D2BDCC73-4DDF-49AB-AEE1-BCC66D6EB140}" type="datetimeFigureOut">
               <a:rPr lang="en-GB" smtClean="0"/>
-              <a:t>12/11/2018</a:t>
+              <a:t>09/01/2019</a:t>
             </a:fld>
             <a:endParaRPr lang="en-GB" dirty="0"/>
           </a:p>
@@ -1170,7 +1170,7 @@
           <a:p>
             <a:fld id="{D2BDCC73-4DDF-49AB-AEE1-BCC66D6EB140}" type="datetimeFigureOut">
               <a:rPr lang="en-GB" smtClean="0"/>
-              <a:t>12/11/2018</a:t>
+              <a:t>09/01/2019</a:t>
             </a:fld>
             <a:endParaRPr lang="en-GB" dirty="0"/>
           </a:p>
@@ -1402,7 +1402,7 @@
           <a:p>
             <a:fld id="{D2BDCC73-4DDF-49AB-AEE1-BCC66D6EB140}" type="datetimeFigureOut">
               <a:rPr lang="en-GB" smtClean="0"/>
-              <a:t>12/11/2018</a:t>
+              <a:t>09/01/2019</a:t>
             </a:fld>
             <a:endParaRPr lang="en-GB" dirty="0"/>
           </a:p>
@@ -1771,7 +1771,7 @@
           <a:p>
             <a:fld id="{D2BDCC73-4DDF-49AB-AEE1-BCC66D6EB140}" type="datetimeFigureOut">
               <a:rPr lang="en-GB" smtClean="0"/>
-              <a:t>12/11/2018</a:t>
+              <a:t>09/01/2019</a:t>
             </a:fld>
             <a:endParaRPr lang="en-GB" dirty="0"/>
           </a:p>
@@ -1889,7 +1889,7 @@
           <a:p>
             <a:fld id="{D2BDCC73-4DDF-49AB-AEE1-BCC66D6EB140}" type="datetimeFigureOut">
               <a:rPr lang="en-GB" smtClean="0"/>
-              <a:t>12/11/2018</a:t>
+              <a:t>09/01/2019</a:t>
             </a:fld>
             <a:endParaRPr lang="en-GB" dirty="0"/>
           </a:p>
@@ -1984,7 +1984,7 @@
           <a:p>
             <a:fld id="{D2BDCC73-4DDF-49AB-AEE1-BCC66D6EB140}" type="datetimeFigureOut">
               <a:rPr lang="en-GB" smtClean="0"/>
-              <a:t>12/11/2018</a:t>
+              <a:t>09/01/2019</a:t>
             </a:fld>
             <a:endParaRPr lang="en-GB" dirty="0"/>
           </a:p>
@@ -2265,7 +2265,7 @@
           <a:p>
             <a:fld id="{D2BDCC73-4DDF-49AB-AEE1-BCC66D6EB140}" type="datetimeFigureOut">
               <a:rPr lang="en-GB" smtClean="0"/>
-              <a:t>12/11/2018</a:t>
+              <a:t>09/01/2019</a:t>
             </a:fld>
             <a:endParaRPr lang="en-GB" dirty="0"/>
           </a:p>
@@ -2520,7 +2520,7 @@
           <a:p>
             <a:fld id="{D2BDCC73-4DDF-49AB-AEE1-BCC66D6EB140}" type="datetimeFigureOut">
               <a:rPr lang="en-GB" smtClean="0"/>
-              <a:t>12/11/2018</a:t>
+              <a:t>09/01/2019</a:t>
             </a:fld>
             <a:endParaRPr lang="en-GB" dirty="0"/>
           </a:p>
@@ -2779,7 +2779,7 @@
           <a:p>
             <a:fld id="{D2BDCC73-4DDF-49AB-AEE1-BCC66D6EB140}" type="datetimeFigureOut">
               <a:rPr lang="en-GB" smtClean="0"/>
-              <a:t>12/11/2018</a:t>
+              <a:t>09/01/2019</a:t>
             </a:fld>
             <a:endParaRPr lang="en-GB" dirty="0"/>
           </a:p>
@@ -20328,13 +20328,45 @@
               </a:rPr>
               <a:t>http://www.facebook.com/webdevwolf</a:t>
             </a:r>
+            <a:endParaRPr lang="en-GB" sz="2000" dirty="0">
+              <a:solidFill>
+                <a:schemeClr val="bg1"/>
+              </a:solidFill>
+            </a:endParaRPr>
+          </a:p>
+          <a:p>
+            <a:pPr marL="0" indent="0">
+              <a:buNone/>
+            </a:pPr>
             <a:r>
               <a:rPr lang="en-GB" sz="2000" dirty="0">
                 <a:solidFill>
                   <a:schemeClr val="bg1"/>
                 </a:solidFill>
               </a:rPr>
-              <a:t> </a:t>
+              <a:t>Discord:</a:t>
+            </a:r>
+          </a:p>
+          <a:p>
+            <a:pPr marL="0" indent="0">
+              <a:buNone/>
+            </a:pPr>
+            <a:r>
+              <a:rPr lang="en-GB" sz="2000" dirty="0">
+                <a:solidFill>
+                  <a:schemeClr val="bg1"/>
+                </a:solidFill>
+                <a:hlinkClick r:id="rId6"/>
+              </a:rPr>
+              <a:t>https://discord.gg/jWGvtnZ</a:t>
+            </a:r>
+            <a:r>
+              <a:rPr lang="en-GB" sz="2000" dirty="0">
+                <a:solidFill>
+                  <a:schemeClr val="bg1"/>
+                </a:solidFill>
+              </a:rPr>
+              <a:t>  </a:t>
             </a:r>
           </a:p>
         </p:txBody>
@@ -20774,6 +20806,128 @@
                                           <p:spTgt spid="5">
                                             <p:txEl>
                                               <p:pRg st="5" end="5"/>
+                                            </p:txEl>
+                                          </p:spTgt>
+                                        </p:tgtEl>
+                                      </p:cBhvr>
+                                    </p:animEffect>
+                                  </p:childTnLst>
+                                </p:cTn>
+                              </p:par>
+                            </p:childTnLst>
+                          </p:cTn>
+                        </p:par>
+                      </p:childTnLst>
+                    </p:cTn>
+                  </p:par>
+                  <p:par>
+                    <p:cTn id="38" fill="hold">
+                      <p:stCondLst>
+                        <p:cond delay="indefinite"/>
+                      </p:stCondLst>
+                      <p:childTnLst>
+                        <p:par>
+                          <p:cTn id="39" fill="hold">
+                            <p:stCondLst>
+                              <p:cond delay="0"/>
+                            </p:stCondLst>
+                            <p:childTnLst>
+                              <p:par>
+                                <p:cTn id="40" presetID="10" presetClass="entr" presetSubtype="0" fill="hold" grpId="0" nodeType="clickEffect">
+                                  <p:stCondLst>
+                                    <p:cond delay="0"/>
+                                  </p:stCondLst>
+                                  <p:childTnLst>
+                                    <p:set>
+                                      <p:cBhvr>
+                                        <p:cTn id="41" dur="1" fill="hold">
+                                          <p:stCondLst>
+                                            <p:cond delay="0"/>
+                                          </p:stCondLst>
+                                        </p:cTn>
+                                        <p:tgtEl>
+                                          <p:spTgt spid="5">
+                                            <p:txEl>
+                                              <p:pRg st="6" end="6"/>
+                                            </p:txEl>
+                                          </p:spTgt>
+                                        </p:tgtEl>
+                                        <p:attrNameLst>
+                                          <p:attrName>style.visibility</p:attrName>
+                                        </p:attrNameLst>
+                                      </p:cBhvr>
+                                      <p:to>
+                                        <p:strVal val="visible"/>
+                                      </p:to>
+                                    </p:set>
+                                    <p:animEffect transition="in" filter="fade">
+                                      <p:cBhvr>
+                                        <p:cTn id="42" dur="500"/>
+                                        <p:tgtEl>
+                                          <p:spTgt spid="5">
+                                            <p:txEl>
+                                              <p:pRg st="6" end="6"/>
+                                            </p:txEl>
+                                          </p:spTgt>
+                                        </p:tgtEl>
+                                      </p:cBhvr>
+                                    </p:animEffect>
+                                  </p:childTnLst>
+                                </p:cTn>
+                              </p:par>
+                            </p:childTnLst>
+                          </p:cTn>
+                        </p:par>
+                      </p:childTnLst>
+                    </p:cTn>
+                  </p:par>
+                  <p:par>
+                    <p:cTn id="43" fill="hold">
+                      <p:stCondLst>
+                        <p:cond delay="indefinite"/>
+                      </p:stCondLst>
+                      <p:childTnLst>
+                        <p:par>
+                          <p:cTn id="44" fill="hold">
+                            <p:stCondLst>
+                              <p:cond delay="0"/>
+                            </p:stCondLst>
+                            <p:childTnLst>
+                              <p:par>
+                                <p:cTn id="45" presetID="10" presetClass="entr" presetSubtype="0" fill="hold" grpId="0" nodeType="clickEffect">
+                                  <p:stCondLst>
+                                    <p:cond delay="0"/>
+                                  </p:stCondLst>
+                                  <p:childTnLst>
+                                    <p:set>
+                                      <p:cBhvr>
+                                        <p:cTn id="46" dur="1" fill="hold">
+                                          <p:stCondLst>
+                                            <p:cond delay="0"/>
+                                          </p:stCondLst>
+                                        </p:cTn>
+                                        <p:tgtEl>
+                                          <p:spTgt spid="5">
+                                            <p:txEl>
+                                              <p:pRg st="7" end="7"/>
+                                            </p:txEl>
+                                          </p:spTgt>
+                                        </p:tgtEl>
+                                        <p:attrNameLst>
+                                          <p:attrName>style.visibility</p:attrName>
+                                        </p:attrNameLst>
+                                      </p:cBhvr>
+                                      <p:to>
+                                        <p:strVal val="visible"/>
+                                      </p:to>
+                                    </p:set>
+                                    <p:animEffect transition="in" filter="fade">
+                                      <p:cBhvr>
+                                        <p:cTn id="47" dur="500"/>
+                                        <p:tgtEl>
+                                          <p:spTgt spid="5">
+                                            <p:txEl>
+                                              <p:pRg st="7" end="7"/>
                                             </p:txEl>
                                           </p:spTgt>
                                         </p:tgtEl>
